--- a/stl讲解_dp入门.pptx
+++ b/stl讲解_dp入门.pptx
@@ -219,7 +219,7 @@
           <a:p>
             <a:fld id="{E86D8963-CFCD-4740-AF60-049850373CDF}" type="datetimeFigureOut">
               <a:rPr lang="zh-CN" altLang="en-US" smtClean="0"/>
-              <a:t>2018/11/03</a:t>
+              <a:t>2018/11/09</a:t>
             </a:fld>
             <a:endParaRPr lang="zh-CN" altLang="en-US"/>
           </a:p>
@@ -2353,7 +2353,7 @@
             <a:fld id="{6489D9C7-5DC6-4263-87FF-7C99F6FB63C3}" type="datetime1">
               <a:rPr lang="zh-CN" altLang="en-US" smtClean="0"/>
               <a:pPr/>
-              <a:t>2018/11/03</a:t>
+              <a:t>2018/11/09</a:t>
             </a:fld>
             <a:endParaRPr lang="zh-CN" altLang="en-US"/>
           </a:p>
@@ -2617,7 +2617,7 @@
             <a:fld id="{6489D9C7-5DC6-4263-87FF-7C99F6FB63C3}" type="datetime1">
               <a:rPr lang="zh-CN" altLang="en-US" smtClean="0"/>
               <a:pPr/>
-              <a:t>2018/11/03</a:t>
+              <a:t>2018/11/09</a:t>
             </a:fld>
             <a:endParaRPr lang="zh-CN" altLang="en-US"/>
           </a:p>
@@ -3311,7 +3311,7 @@
             <a:fld id="{6489D9C7-5DC6-4263-87FF-7C99F6FB63C3}" type="datetime1">
               <a:rPr lang="zh-CN" altLang="en-US" smtClean="0"/>
               <a:pPr/>
-              <a:t>2018/11/03</a:t>
+              <a:t>2018/11/09</a:t>
             </a:fld>
             <a:endParaRPr lang="zh-CN" altLang="en-US"/>
           </a:p>
@@ -3806,7 +3806,7 @@
           <a:graphicData uri="http://schemas.openxmlformats.org/presentationml/2006/ole">
             <mc:AlternateContent xmlns:mc="http://schemas.openxmlformats.org/markup-compatibility/2006">
               <mc:Choice xmlns:v="urn:schemas-microsoft-com:vml" Requires="v">
-                <p:oleObj spid="_x0000_s1291" name="think-cell Slide" r:id="rId6" imgW="347" imgH="348" progId="TCLayout.ActiveDocument.1">
+                <p:oleObj spid="_x0000_s1296" name="think-cell Slide" r:id="rId6" imgW="347" imgH="348" progId="TCLayout.ActiveDocument.1">
                   <p:embed/>
                 </p:oleObj>
               </mc:Choice>
@@ -4099,10 +4099,13 @@
           <a:lstStyle/>
           <a:p>
             <a:r>
-              <a:rPr lang="en-US" altLang="zh-CN" dirty="0" err="1"/>
-              <a:t>map&amp;multimap</a:t>
+              <a:rPr lang="en-US" altLang="zh-CN" dirty="0"/>
+              <a:t>map</a:t>
             </a:r>
-            <a:endParaRPr lang="zh-CN" altLang="en-US" dirty="0"/>
+            <a:r>
+              <a:rPr lang="zh-CN" altLang="en-US" dirty="0"/>
+              <a:t>相关</a:t>
+            </a:r>
           </a:p>
         </p:txBody>
       </p:sp>
@@ -4235,10 +4238,17 @@
           <a:lstStyle/>
           <a:p>
             <a:r>
-              <a:rPr lang="en-US" altLang="zh-CN" dirty="0" err="1"/>
-              <a:t>set&amp;multiset</a:t>
+              <a:rPr lang="en-US" altLang="zh-CN" dirty="0"/>
+              <a:t>s</a:t>
             </a:r>
-            <a:endParaRPr lang="zh-CN" altLang="en-US" dirty="0"/>
+            <a:r>
+              <a:rPr lang="en-US" altLang="zh-CN"/>
+              <a:t>et</a:t>
+            </a:r>
+            <a:r>
+              <a:rPr lang="zh-CN" altLang="en-US" dirty="0"/>
+              <a:t>相关</a:t>
+            </a:r>
           </a:p>
         </p:txBody>
       </p:sp>
@@ -5025,7 +5035,7 @@
           <a:graphicData uri="http://schemas.openxmlformats.org/presentationml/2006/ole">
             <mc:AlternateContent xmlns:mc="http://schemas.openxmlformats.org/markup-compatibility/2006">
               <mc:Choice xmlns:v="urn:schemas-microsoft-com:vml" Requires="v">
-                <p:oleObj spid="_x0000_s3335" name="think-cell Slide" r:id="rId7" imgW="347" imgH="348" progId="TCLayout.ActiveDocument.1">
+                <p:oleObj spid="_x0000_s3340" name="think-cell Slide" r:id="rId7" imgW="347" imgH="348" progId="TCLayout.ActiveDocument.1">
                   <p:embed/>
                 </p:oleObj>
               </mc:Choice>
@@ -31732,10 +31742,13 @@
                 <a:buNone/>
               </a:pPr>
               <a:r>
-                <a:rPr lang="en-US" altLang="zh-CN" sz="2800" b="1" dirty="0" err="1"/>
-                <a:t>map&amp;multimap</a:t>
+                <a:rPr lang="en-US" altLang="zh-CN" sz="2800" b="1" dirty="0"/>
+                <a:t>map</a:t>
               </a:r>
-              <a:endParaRPr lang="zh-CN" altLang="en-US" sz="2800" b="1" dirty="0"/>
+              <a:r>
+                <a:rPr lang="zh-CN" altLang="en-US" sz="2800" b="1" dirty="0"/>
+                <a:t>相关</a:t>
+              </a:r>
             </a:p>
           </p:txBody>
         </p:sp>
@@ -31935,10 +31948,13 @@
                 <a:buNone/>
               </a:pPr>
               <a:r>
-                <a:rPr lang="en-US" altLang="zh-CN" sz="2800" b="1" dirty="0" err="1"/>
-                <a:t>set&amp;multiset</a:t>
+                <a:rPr lang="en-US" altLang="zh-CN" sz="2800" b="1" dirty="0"/>
+                <a:t>set</a:t>
               </a:r>
-              <a:endParaRPr lang="zh-CN" altLang="en-US" sz="2800" b="1" dirty="0"/>
+              <a:r>
+                <a:rPr lang="zh-CN" altLang="en-US" sz="2800" b="1" dirty="0"/>
+                <a:t>相关</a:t>
+              </a:r>
             </a:p>
           </p:txBody>
         </p:sp>
@@ -32052,7 +32068,7 @@
               </a:pPr>
               <a:r>
                 <a:rPr lang="zh-CN" altLang="en-US" dirty="0"/>
-                <a:t>有序地集合</a:t>
+                <a:t>有序的集合</a:t>
               </a:r>
               <a:endParaRPr lang="en-US" altLang="zh-CN" dirty="0"/>
             </a:p>
